--- a/Units/Unit1/David-Grijalva-For-Live-Session-Unit1.pptx
+++ b/Units/Unit1/David-Grijalva-For-Live-Session-Unit1.pptx
@@ -129,6 +129,7 @@
 <file path=ppt/revisionInfo.xml><?xml version="1.0" encoding="utf-8"?>
 <p1510:revInfo xmlns:a="http://schemas.openxmlformats.org/drawingml/2006/main" xmlns:r="http://schemas.openxmlformats.org/officeDocument/2006/relationships" xmlns:p1510="http://schemas.microsoft.com/office/powerpoint/2015/10/main">
   <p1510:revLst>
+    <p1510:client id="{36725C59-4485-D6D9-5829-42FFA7070700}" v="53" dt="2020-08-19T20:04:09.582"/>
     <p1510:client id="{FB149EEB-EE7F-7FE3-96D7-2A1DC0BDD34F}" v="1721" dt="2020-08-18T21:13:00.126"/>
   </p1510:revLst>
 </p1510:revInfo>
@@ -265,7 +266,7 @@
           <a:p>
             <a:fld id="{846CE7D5-CF57-46EF-B807-FDD0502418D4}" type="datetimeFigureOut">
               <a:rPr lang="en-US" smtClean="0"/>
-              <a:t>8/18/2020</a:t>
+              <a:t>8/19/2020</a:t>
             </a:fld>
             <a:endParaRPr lang="en-US"/>
           </a:p>
@@ -435,7 +436,7 @@
           <a:p>
             <a:fld id="{846CE7D5-CF57-46EF-B807-FDD0502418D4}" type="datetimeFigureOut">
               <a:rPr lang="en-US" smtClean="0"/>
-              <a:t>8/18/2020</a:t>
+              <a:t>8/19/2020</a:t>
             </a:fld>
             <a:endParaRPr lang="en-US"/>
           </a:p>
@@ -615,7 +616,7 @@
           <a:p>
             <a:fld id="{846CE7D5-CF57-46EF-B807-FDD0502418D4}" type="datetimeFigureOut">
               <a:rPr lang="en-US" smtClean="0"/>
-              <a:t>8/18/2020</a:t>
+              <a:t>8/19/2020</a:t>
             </a:fld>
             <a:endParaRPr lang="en-US"/>
           </a:p>
@@ -807,7 +808,7 @@
           <a:p>
             <a:fld id="{4E223589-D1FE-5045-809F-56B69D3AD8BF}" type="datetimeFigureOut">
               <a:rPr lang="en-US" smtClean="0"/>
-              <a:t>8/18/2020</a:t>
+              <a:t>8/19/2020</a:t>
             </a:fld>
             <a:endParaRPr lang="en-US"/>
           </a:p>
@@ -977,7 +978,7 @@
           <a:p>
             <a:fld id="{4E223589-D1FE-5045-809F-56B69D3AD8BF}" type="datetimeFigureOut">
               <a:rPr lang="en-US" smtClean="0"/>
-              <a:t>8/18/2020</a:t>
+              <a:t>8/19/2020</a:t>
             </a:fld>
             <a:endParaRPr lang="en-US"/>
           </a:p>
@@ -1221,7 +1222,7 @@
           <a:p>
             <a:fld id="{4E223589-D1FE-5045-809F-56B69D3AD8BF}" type="datetimeFigureOut">
               <a:rPr lang="en-US" smtClean="0"/>
-              <a:t>8/18/2020</a:t>
+              <a:t>8/19/2020</a:t>
             </a:fld>
             <a:endParaRPr lang="en-US"/>
           </a:p>
@@ -1453,7 +1454,7 @@
           <a:p>
             <a:fld id="{4E223589-D1FE-5045-809F-56B69D3AD8BF}" type="datetimeFigureOut">
               <a:rPr lang="en-US" smtClean="0"/>
-              <a:t>8/18/2020</a:t>
+              <a:t>8/19/2020</a:t>
             </a:fld>
             <a:endParaRPr lang="en-US"/>
           </a:p>
@@ -1820,7 +1821,7 @@
           <a:p>
             <a:fld id="{4E223589-D1FE-5045-809F-56B69D3AD8BF}" type="datetimeFigureOut">
               <a:rPr lang="en-US" smtClean="0"/>
-              <a:t>8/18/2020</a:t>
+              <a:t>8/19/2020</a:t>
             </a:fld>
             <a:endParaRPr lang="en-US"/>
           </a:p>
@@ -1938,7 +1939,7 @@
           <a:p>
             <a:fld id="{4E223589-D1FE-5045-809F-56B69D3AD8BF}" type="datetimeFigureOut">
               <a:rPr lang="en-US" smtClean="0"/>
-              <a:t>8/18/2020</a:t>
+              <a:t>8/19/2020</a:t>
             </a:fld>
             <a:endParaRPr lang="en-US"/>
           </a:p>
@@ -2033,7 +2034,7 @@
           <a:p>
             <a:fld id="{4E223589-D1FE-5045-809F-56B69D3AD8BF}" type="datetimeFigureOut">
               <a:rPr lang="en-US" smtClean="0"/>
-              <a:t>8/18/2020</a:t>
+              <a:t>8/19/2020</a:t>
             </a:fld>
             <a:endParaRPr lang="en-US"/>
           </a:p>
@@ -2310,7 +2311,7 @@
           <a:p>
             <a:fld id="{4E223589-D1FE-5045-809F-56B69D3AD8BF}" type="datetimeFigureOut">
               <a:rPr lang="en-US" smtClean="0"/>
-              <a:t>8/18/2020</a:t>
+              <a:t>8/19/2020</a:t>
             </a:fld>
             <a:endParaRPr lang="en-US"/>
           </a:p>
@@ -2480,7 +2481,7 @@
           <a:p>
             <a:fld id="{846CE7D5-CF57-46EF-B807-FDD0502418D4}" type="datetimeFigureOut">
               <a:rPr lang="en-US" smtClean="0"/>
-              <a:t>8/18/2020</a:t>
+              <a:t>8/19/2020</a:t>
             </a:fld>
             <a:endParaRPr lang="en-US"/>
           </a:p>
@@ -2737,7 +2738,7 @@
           <a:p>
             <a:fld id="{4E223589-D1FE-5045-809F-56B69D3AD8BF}" type="datetimeFigureOut">
               <a:rPr lang="en-US" smtClean="0"/>
-              <a:t>8/18/2020</a:t>
+              <a:t>8/19/2020</a:t>
             </a:fld>
             <a:endParaRPr lang="en-US"/>
           </a:p>
@@ -2907,7 +2908,7 @@
           <a:p>
             <a:fld id="{4E223589-D1FE-5045-809F-56B69D3AD8BF}" type="datetimeFigureOut">
               <a:rPr lang="en-US" smtClean="0"/>
-              <a:t>8/18/2020</a:t>
+              <a:t>8/19/2020</a:t>
             </a:fld>
             <a:endParaRPr lang="en-US"/>
           </a:p>
@@ -3087,7 +3088,7 @@
           <a:p>
             <a:fld id="{4E223589-D1FE-5045-809F-56B69D3AD8BF}" type="datetimeFigureOut">
               <a:rPr lang="en-US" smtClean="0"/>
-              <a:t>8/18/2020</a:t>
+              <a:t>8/19/2020</a:t>
             </a:fld>
             <a:endParaRPr lang="en-US"/>
           </a:p>
@@ -3333,7 +3334,7 @@
           <a:p>
             <a:fld id="{846CE7D5-CF57-46EF-B807-FDD0502418D4}" type="datetimeFigureOut">
               <a:rPr lang="en-US" smtClean="0"/>
-              <a:t>8/18/2020</a:t>
+              <a:t>8/19/2020</a:t>
             </a:fld>
             <a:endParaRPr lang="en-US"/>
           </a:p>
@@ -3565,7 +3566,7 @@
           <a:p>
             <a:fld id="{846CE7D5-CF57-46EF-B807-FDD0502418D4}" type="datetimeFigureOut">
               <a:rPr lang="en-US" smtClean="0"/>
-              <a:t>8/18/2020</a:t>
+              <a:t>8/19/2020</a:t>
             </a:fld>
             <a:endParaRPr lang="en-US"/>
           </a:p>
@@ -3932,7 +3933,7 @@
           <a:p>
             <a:fld id="{846CE7D5-CF57-46EF-B807-FDD0502418D4}" type="datetimeFigureOut">
               <a:rPr lang="en-US" smtClean="0"/>
-              <a:t>8/18/2020</a:t>
+              <a:t>8/19/2020</a:t>
             </a:fld>
             <a:endParaRPr lang="en-US"/>
           </a:p>
@@ -4050,7 +4051,7 @@
           <a:p>
             <a:fld id="{846CE7D5-CF57-46EF-B807-FDD0502418D4}" type="datetimeFigureOut">
               <a:rPr lang="en-US" smtClean="0"/>
-              <a:t>8/18/2020</a:t>
+              <a:t>8/19/2020</a:t>
             </a:fld>
             <a:endParaRPr lang="en-US"/>
           </a:p>
@@ -4145,7 +4146,7 @@
           <a:p>
             <a:fld id="{846CE7D5-CF57-46EF-B807-FDD0502418D4}" type="datetimeFigureOut">
               <a:rPr lang="en-US" smtClean="0"/>
-              <a:t>8/18/2020</a:t>
+              <a:t>8/19/2020</a:t>
             </a:fld>
             <a:endParaRPr lang="en-US"/>
           </a:p>
@@ -4422,7 +4423,7 @@
           <a:p>
             <a:fld id="{846CE7D5-CF57-46EF-B807-FDD0502418D4}" type="datetimeFigureOut">
               <a:rPr lang="en-US" smtClean="0"/>
-              <a:t>8/18/2020</a:t>
+              <a:t>8/19/2020</a:t>
             </a:fld>
             <a:endParaRPr lang="en-US"/>
           </a:p>
@@ -4679,7 +4680,7 @@
           <a:p>
             <a:fld id="{846CE7D5-CF57-46EF-B807-FDD0502418D4}" type="datetimeFigureOut">
               <a:rPr lang="en-US" smtClean="0"/>
-              <a:t>8/18/2020</a:t>
+              <a:t>8/19/2020</a:t>
             </a:fld>
             <a:endParaRPr lang="en-US"/>
           </a:p>
@@ -4892,7 +4893,7 @@
           <a:p>
             <a:fld id="{846CE7D5-CF57-46EF-B807-FDD0502418D4}" type="datetimeFigureOut">
               <a:rPr lang="en-US" smtClean="0"/>
-              <a:t>8/18/2020</a:t>
+              <a:t>8/19/2020</a:t>
             </a:fld>
             <a:endParaRPr lang="en-US"/>
           </a:p>
@@ -5432,7 +5433,7 @@
           <a:p>
             <a:fld id="{4E223589-D1FE-5045-809F-56B69D3AD8BF}" type="datetimeFigureOut">
               <a:rPr lang="en-US" smtClean="0"/>
-              <a:t>8/18/2020</a:t>
+              <a:t>8/19/2020</a:t>
             </a:fld>
             <a:endParaRPr lang="en-US"/>
           </a:p>
@@ -5977,7 +5978,12 @@
             <p:ph idx="1"/>
           </p:nvPr>
         </p:nvSpPr>
-        <p:spPr/>
+        <p:spPr>
+          <a:xfrm>
+            <a:off x="838200" y="1669503"/>
+            <a:ext cx="10515600" cy="4351338"/>
+          </a:xfrm>
+        </p:spPr>
         <p:txBody>
           <a:bodyPr vert="horz" lIns="91440" tIns="45720" rIns="91440" bIns="45720" rtlCol="0" anchor="t">
             <a:normAutofit/>
@@ -6006,16 +6012,42 @@
                 <a:cs typeface="+mn-lt"/>
               </a:rPr>
               <a:t>
-  One Sample t-test 
- data:  ages
- t = 3.3093, df = 6, p-value = 0.01622
- alternative hypothesis: true mean is not equal to 21
- 5 percent confidence interval:
- 29.68217 30.03211
- sample estimates:
- mean of x   29.85714</a:t>
-            </a:r>
-            <a:endParaRPr lang="en-US" dirty="0"/>
+ One Sample t-test
+ data:  ages</a:t>
+            </a:r>
+            <a:br>
+              <a:rPr lang="en-US" sz="1400" dirty="0">
+                <a:ea typeface="+mn-lt"/>
+                <a:cs typeface="+mn-lt"/>
+              </a:rPr>
+            </a:br>
+            <a:r>
+              <a:rPr lang="en-US" sz="1400" dirty="0">
+                <a:ea typeface="+mn-lt"/>
+                <a:cs typeface="+mn-lt"/>
+              </a:rPr>
+              <a:t> t = 3.3093, df = 6, p-value = 0.01622
+alternative hypothesis: true mean is not equal to 21
+95 percent confidence interval:
+ 23.30816 36.40613</a:t>
+            </a:r>
+            <a:br>
+              <a:rPr lang="en-US" sz="1400" dirty="0">
+                <a:ea typeface="+mn-lt"/>
+                <a:cs typeface="+mn-lt"/>
+              </a:rPr>
+            </a:br>
+            <a:r>
+              <a:rPr lang="en-US" sz="1400" dirty="0">
+                <a:ea typeface="+mn-lt"/>
+                <a:cs typeface="+mn-lt"/>
+              </a:rPr>
+              <a:t>sample estimates: mean of x 29.85714</a:t>
+            </a:r>
+            <a:endParaRPr lang="en-US" dirty="0">
+              <a:ea typeface="+mn-lt"/>
+              <a:cs typeface="+mn-lt"/>
+            </a:endParaRPr>
           </a:p>
           <a:p>
             <a:pPr marL="0" indent="0">
@@ -6054,7 +6086,7 @@
         </p:nvGrpSpPr>
         <p:grpSpPr>
           <a:xfrm>
-            <a:off x="767426" y="4871532"/>
+            <a:off x="836503" y="4988498"/>
             <a:ext cx="4751329" cy="843398"/>
             <a:chOff x="5709843" y="3463949"/>
             <a:chExt cx="4751329" cy="843398"/>
@@ -6215,7 +6247,7 @@
                   <a:ea typeface="+mn-lt"/>
                   <a:cs typeface="+mn-lt"/>
                 </a:rPr>
-                <a:t>=0.05)</a:t>
+                <a:t>=0.95)</a:t>
               </a:r>
               <a:br>
                 <a:rPr lang="en-US" sz="1100" dirty="0">
